--- a/slides/Herhack project ppt.pptx
+++ b/slides/Herhack project ppt.pptx
@@ -858,7 +858,7 @@
             <a:fld id="{1D8BD707-D9CF-40AE-B4C6-C98DA3205C09}" type="datetimeFigureOut">
               <a:rPr lang="en-US" smtClean="0"/>
               <a:pPr/>
-              <a:t>11/12/2023</a:t>
+              <a:t>11/15/2023</a:t>
             </a:fld>
             <a:endParaRPr lang="en-US"/>
           </a:p>
@@ -1111,7 +1111,7 @@
             <a:fld id="{1D8BD707-D9CF-40AE-B4C6-C98DA3205C09}" type="datetimeFigureOut">
               <a:rPr lang="en-US" smtClean="0"/>
               <a:pPr/>
-              <a:t>11/12/2023</a:t>
+              <a:t>11/15/2023</a:t>
             </a:fld>
             <a:endParaRPr lang="en-US"/>
           </a:p>
@@ -1427,7 +1427,7 @@
             <a:fld id="{1D8BD707-D9CF-40AE-B4C6-C98DA3205C09}" type="datetimeFigureOut">
               <a:rPr lang="en-US" smtClean="0"/>
               <a:pPr/>
-              <a:t>11/12/2023</a:t>
+              <a:t>11/15/2023</a:t>
             </a:fld>
             <a:endParaRPr lang="en-US"/>
           </a:p>
@@ -1756,7 +1756,7 @@
             <a:fld id="{1D8BD707-D9CF-40AE-B4C6-C98DA3205C09}" type="datetimeFigureOut">
               <a:rPr lang="en-US" smtClean="0"/>
               <a:pPr/>
-              <a:t>11/12/2023</a:t>
+              <a:t>11/15/2023</a:t>
             </a:fld>
             <a:endParaRPr lang="en-US"/>
           </a:p>
@@ -2072,7 +2072,7 @@
             <a:fld id="{1D8BD707-D9CF-40AE-B4C6-C98DA3205C09}" type="datetimeFigureOut">
               <a:rPr lang="en-US" smtClean="0"/>
               <a:pPr/>
-              <a:t>11/12/2023</a:t>
+              <a:t>11/15/2023</a:t>
             </a:fld>
             <a:endParaRPr lang="en-US"/>
           </a:p>
@@ -2461,7 +2461,7 @@
             <a:fld id="{1D8BD707-D9CF-40AE-B4C6-C98DA3205C09}" type="datetimeFigureOut">
               <a:rPr lang="en-US" smtClean="0"/>
               <a:pPr/>
-              <a:t>11/12/2023</a:t>
+              <a:t>11/15/2023</a:t>
             </a:fld>
             <a:endParaRPr lang="en-US"/>
           </a:p>
@@ -2633,7 +2633,7 @@
             <a:fld id="{1D8BD707-D9CF-40AE-B4C6-C98DA3205C09}" type="datetimeFigureOut">
               <a:rPr lang="en-US" smtClean="0"/>
               <a:pPr/>
-              <a:t>11/12/2023</a:t>
+              <a:t>11/15/2023</a:t>
             </a:fld>
             <a:endParaRPr lang="en-US"/>
           </a:p>
@@ -2815,7 +2815,7 @@
             <a:fld id="{1D8BD707-D9CF-40AE-B4C6-C98DA3205C09}" type="datetimeFigureOut">
               <a:rPr lang="en-US" smtClean="0"/>
               <a:pPr/>
-              <a:t>11/12/2023</a:t>
+              <a:t>11/15/2023</a:t>
             </a:fld>
             <a:endParaRPr lang="en-US"/>
           </a:p>
@@ -2993,7 +2993,7 @@
             <a:fld id="{1D8BD707-D9CF-40AE-B4C6-C98DA3205C09}" type="datetimeFigureOut">
               <a:rPr lang="en-US" smtClean="0"/>
               <a:pPr/>
-              <a:t>11/12/2023</a:t>
+              <a:t>11/15/2023</a:t>
             </a:fld>
             <a:endParaRPr lang="en-US"/>
           </a:p>
@@ -3242,7 +3242,7 @@
             <a:fld id="{1D8BD707-D9CF-40AE-B4C6-C98DA3205C09}" type="datetimeFigureOut">
               <a:rPr lang="en-US" smtClean="0"/>
               <a:pPr/>
-              <a:t>11/12/2023</a:t>
+              <a:t>11/15/2023</a:t>
             </a:fld>
             <a:endParaRPr lang="en-US"/>
           </a:p>
@@ -3476,7 +3476,7 @@
             <a:fld id="{1D8BD707-D9CF-40AE-B4C6-C98DA3205C09}" type="datetimeFigureOut">
               <a:rPr lang="en-US" smtClean="0"/>
               <a:pPr/>
-              <a:t>11/12/2023</a:t>
+              <a:t>11/15/2023</a:t>
             </a:fld>
             <a:endParaRPr lang="en-US"/>
           </a:p>
@@ -3852,7 +3852,7 @@
             <a:fld id="{1D8BD707-D9CF-40AE-B4C6-C98DA3205C09}" type="datetimeFigureOut">
               <a:rPr lang="en-US" smtClean="0"/>
               <a:pPr/>
-              <a:t>11/12/2023</a:t>
+              <a:t>11/15/2023</a:t>
             </a:fld>
             <a:endParaRPr lang="en-US"/>
           </a:p>
@@ -3977,7 +3977,7 @@
             <a:fld id="{1D8BD707-D9CF-40AE-B4C6-C98DA3205C09}" type="datetimeFigureOut">
               <a:rPr lang="en-US" smtClean="0"/>
               <a:pPr/>
-              <a:t>11/12/2023</a:t>
+              <a:t>11/15/2023</a:t>
             </a:fld>
             <a:endParaRPr lang="en-US"/>
           </a:p>
@@ -4074,7 +4074,7 @@
             <a:fld id="{1D8BD707-D9CF-40AE-B4C6-C98DA3205C09}" type="datetimeFigureOut">
               <a:rPr lang="en-US" smtClean="0"/>
               <a:pPr/>
-              <a:t>11/12/2023</a:t>
+              <a:t>11/15/2023</a:t>
             </a:fld>
             <a:endParaRPr lang="en-US"/>
           </a:p>
@@ -4331,7 +4331,7 @@
             <a:fld id="{1D8BD707-D9CF-40AE-B4C6-C98DA3205C09}" type="datetimeFigureOut">
               <a:rPr lang="en-US" smtClean="0"/>
               <a:pPr/>
-              <a:t>11/12/2023</a:t>
+              <a:t>11/15/2023</a:t>
             </a:fld>
             <a:endParaRPr lang="en-US"/>
           </a:p>
@@ -4596,7 +4596,7 @@
             <a:fld id="{1D8BD707-D9CF-40AE-B4C6-C98DA3205C09}" type="datetimeFigureOut">
               <a:rPr lang="en-US" smtClean="0"/>
               <a:pPr/>
-              <a:t>11/12/2023</a:t>
+              <a:t>11/15/2023</a:t>
             </a:fld>
             <a:endParaRPr lang="en-US"/>
           </a:p>
@@ -5343,7 +5343,7 @@
             <a:fld id="{1D8BD707-D9CF-40AE-B4C6-C98DA3205C09}" type="datetimeFigureOut">
               <a:rPr lang="en-US" smtClean="0"/>
               <a:pPr/>
-              <a:t>11/12/2023</a:t>
+              <a:t>11/15/2023</a:t>
             </a:fld>
             <a:endParaRPr lang="en-US"/>
           </a:p>
